--- a/project-supumall/supumall.pptx
+++ b/project-supumall/supumall.pptx
@@ -200,6 +200,7 @@
           <a:p>
             <a:fld id="{1D43A9F6-29CA-4D00-9C43-1B7EBA3163AB}" type="datetimeFigureOut">
               <a:rPr lang="zh-CN" altLang="en-US" smtClean="0"/>
+              <a:pPr/>
               <a:t>2016/9/29</a:t>
             </a:fld>
             <a:endParaRPr lang="zh-CN" altLang="en-US"/>
@@ -361,6 +362,7 @@
           <a:p>
             <a:fld id="{2EE3A4B9-5B2A-44A2-815B-103E05B1FF9B}" type="slidenum">
               <a:rPr lang="zh-CN" altLang="en-US" smtClean="0"/>
+              <a:pPr/>
               <a:t>‹#›</a:t>
             </a:fld>
             <a:endParaRPr lang="zh-CN" altLang="en-US"/>
@@ -532,6 +534,7 @@
           <a:p>
             <a:fld id="{2EE3A4B9-5B2A-44A2-815B-103E05B1FF9B}" type="slidenum">
               <a:rPr lang="zh-CN" altLang="en-US" smtClean="0"/>
+              <a:pPr/>
               <a:t>8</a:t>
             </a:fld>
             <a:endParaRPr lang="zh-CN" altLang="en-US"/>
@@ -4244,11 +4247,7 @@
             </a:r>
             <a:r>
               <a:rPr lang="zh-CN" altLang="en-US" sz="2400" dirty="0" smtClean="0"/>
-              <a:t>（放大镜</a:t>
-            </a:r>
-            <a:r>
-              <a:rPr lang="zh-CN" altLang="en-US" sz="2400" dirty="0" smtClean="0"/>
-              <a:t>）</a:t>
+              <a:t>（放大镜）</a:t>
             </a:r>
             <a:endParaRPr lang="en-US" altLang="zh-CN" sz="2400" dirty="0" smtClean="0"/>
           </a:p>
@@ -4365,11 +4364,7 @@
             </a:r>
             <a:r>
               <a:rPr lang="zh-CN" altLang="en-US" sz="2400" dirty="0" smtClean="0"/>
-              <a:t>各</a:t>
-            </a:r>
-            <a:r>
-              <a:rPr lang="zh-CN" altLang="en-US" sz="2400" dirty="0" smtClean="0"/>
-              <a:t>页面布局及动画效果</a:t>
+              <a:t>各页面布局及动画效果</a:t>
             </a:r>
             <a:endParaRPr lang="en-US" altLang="zh-CN" sz="2400" dirty="0" smtClean="0"/>
           </a:p>
@@ -4430,12 +4425,16 @@
               <a:t>或者</a:t>
             </a:r>
             <a:r>
-              <a:rPr lang="en-US" altLang="zh-CN" sz="2400" dirty="0" smtClean="0"/>
-              <a:t>URL</a:t>
+              <a:rPr lang="en-US" altLang="zh-CN" sz="2400" smtClean="0"/>
+              <a:t>URL </a:t>
+            </a:r>
+            <a:r>
+              <a:rPr lang="zh-CN" altLang="en-US" sz="2400" smtClean="0"/>
+              <a:t>传</a:t>
             </a:r>
             <a:r>
               <a:rPr lang="zh-CN" altLang="en-US" sz="2400" dirty="0" smtClean="0"/>
-              <a:t>传数据</a:t>
+              <a:t>数据</a:t>
             </a:r>
             <a:endParaRPr lang="en-US" altLang="zh-CN" sz="2400" dirty="0" smtClean="0"/>
           </a:p>
